--- a/Documentation/Presentation.pptx
+++ b/Documentation/Presentation.pptx
@@ -119,16 +119,16 @@
 </file>
 
 <file path=ppt/diagrams/colors1.xml><?xml version="1.0" encoding="utf-8"?>
-<dgm:colorsDef xmlns:dgm="http://schemas.openxmlformats.org/drawingml/2006/diagram" xmlns:a="http://schemas.openxmlformats.org/drawingml/2006/main" uniqueId="urn:microsoft.com/office/officeart/2005/8/colors/accent6_5">
+<dgm:colorsDef xmlns:dgm="http://schemas.openxmlformats.org/drawingml/2006/diagram" xmlns:a="http://schemas.openxmlformats.org/drawingml/2006/main" uniqueId="urn:microsoft.com/office/officeart/2005/8/colors/accent6_4">
   <dgm:title val=""/>
   <dgm:desc val=""/>
   <dgm:catLst>
-    <dgm:cat type="accent6" pri="11500"/>
+    <dgm:cat type="accent6" pri="11400"/>
   </dgm:catLst>
   <dgm:styleLbl name="node0">
     <dgm:fillClrLst meth="cycle">
       <a:schemeClr val="accent6">
-        <a:alpha val="80000"/>
+        <a:shade val="60000"/>
       </a:schemeClr>
     </dgm:fillClrLst>
     <dgm:linClrLst meth="repeat">
@@ -140,20 +140,20 @@
     <dgm:txEffectClrLst/>
   </dgm:styleLbl>
   <dgm:styleLbl name="alignNode1">
-    <dgm:fillClrLst>
+    <dgm:fillClrLst meth="cycle">
       <a:schemeClr val="accent6">
-        <a:alpha val="90000"/>
+        <a:shade val="50000"/>
       </a:schemeClr>
       <a:schemeClr val="accent6">
-        <a:alpha val="50000"/>
+        <a:tint val="55000"/>
       </a:schemeClr>
     </dgm:fillClrLst>
-    <dgm:linClrLst>
+    <dgm:linClrLst meth="cycle">
       <a:schemeClr val="accent6">
-        <a:alpha val="90000"/>
+        <a:shade val="50000"/>
       </a:schemeClr>
       <a:schemeClr val="accent6">
-        <a:alpha val="50000"/>
+        <a:tint val="55000"/>
       </a:schemeClr>
     </dgm:linClrLst>
     <dgm:effectClrLst/>
@@ -162,12 +162,12 @@
     <dgm:txEffectClrLst/>
   </dgm:styleLbl>
   <dgm:styleLbl name="node1">
-    <dgm:fillClrLst>
+    <dgm:fillClrLst meth="cycle">
       <a:schemeClr val="accent6">
-        <a:alpha val="90000"/>
+        <a:shade val="50000"/>
       </a:schemeClr>
       <a:schemeClr val="accent6">
-        <a:alpha val="50000"/>
+        <a:tint val="55000"/>
       </a:schemeClr>
     </dgm:fillClrLst>
     <dgm:linClrLst meth="repeat">
@@ -179,13 +179,12 @@
     <dgm:txEffectClrLst/>
   </dgm:styleLbl>
   <dgm:styleLbl name="lnNode1">
-    <dgm:fillClrLst>
+    <dgm:fillClrLst meth="cycle">
       <a:schemeClr val="accent6">
-        <a:shade val="90000"/>
+        <a:shade val="50000"/>
       </a:schemeClr>
       <a:schemeClr val="accent6">
-        <a:tint val="50000"/>
-        <a:alpha val="50000"/>
+        <a:tint val="55000"/>
       </a:schemeClr>
     </dgm:fillClrLst>
     <dgm:linClrLst meth="repeat">
@@ -197,13 +196,14 @@
     <dgm:txEffectClrLst/>
   </dgm:styleLbl>
   <dgm:styleLbl name="vennNode1">
-    <dgm:fillClrLst>
+    <dgm:fillClrLst meth="cycle">
       <a:schemeClr val="accent6">
         <a:shade val="80000"/>
         <a:alpha val="50000"/>
       </a:schemeClr>
       <a:schemeClr val="accent6">
-        <a:alpha val="80000"/>
+        <a:tint val="50000"/>
+        <a:alpha val="50000"/>
       </a:schemeClr>
     </dgm:fillClrLst>
     <dgm:linClrLst meth="repeat">
@@ -217,7 +217,7 @@
   <dgm:styleLbl name="node2">
     <dgm:fillClrLst>
       <a:schemeClr val="accent6">
-        <a:alpha val="70000"/>
+        <a:shade val="80000"/>
       </a:schemeClr>
     </dgm:fillClrLst>
     <dgm:linClrLst meth="repeat">
@@ -231,7 +231,7 @@
   <dgm:styleLbl name="node3">
     <dgm:fillClrLst>
       <a:schemeClr val="accent6">
-        <a:alpha val="50000"/>
+        <a:tint val="99000"/>
       </a:schemeClr>
     </dgm:fillClrLst>
     <dgm:linClrLst meth="repeat">
@@ -245,7 +245,7 @@
   <dgm:styleLbl name="node4">
     <dgm:fillClrLst>
       <a:schemeClr val="accent6">
-        <a:alpha val="30000"/>
+        <a:tint val="70000"/>
       </a:schemeClr>
     </dgm:fillClrLst>
     <dgm:linClrLst meth="repeat">
@@ -260,11 +260,9 @@
     <dgm:fillClrLst>
       <a:schemeClr val="accent6">
         <a:tint val="50000"/>
-        <a:alpha val="90000"/>
       </a:schemeClr>
       <a:schemeClr val="accent6">
-        <a:tint val="20000"/>
-        <a:alpha val="50000"/>
+        <a:tint val="55000"/>
       </a:schemeClr>
     </dgm:fillClrLst>
     <dgm:linClrLst meth="repeat">
@@ -283,7 +281,7 @@
         <a:tint val="50000"/>
       </a:schemeClr>
       <a:schemeClr val="accent6">
-        <a:tint val="20000"/>
+        <a:tint val="55000"/>
       </a:schemeClr>
     </dgm:fillClrLst>
     <dgm:linClrLst meth="repeat">
@@ -302,7 +300,7 @@
         <a:tint val="50000"/>
       </a:schemeClr>
       <a:schemeClr val="accent6">
-        <a:tint val="20000"/>
+        <a:tint val="55000"/>
       </a:schemeClr>
     </dgm:fillClrLst>
     <dgm:linClrLst meth="repeat">
@@ -316,7 +314,7 @@
     <dgm:txEffectClrLst/>
   </dgm:styleLbl>
   <dgm:styleLbl name="sibTrans2D1">
-    <dgm:fillClrLst>
+    <dgm:fillClrLst meth="cycle">
       <a:schemeClr val="accent6">
         <a:shade val="90000"/>
       </a:schemeClr>
@@ -324,7 +322,7 @@
         <a:tint val="50000"/>
       </a:schemeClr>
     </dgm:fillClrLst>
-    <dgm:linClrLst>
+    <dgm:linClrLst meth="cycle">
       <a:schemeClr val="accent6">
         <a:shade val="90000"/>
       </a:schemeClr>
@@ -338,7 +336,7 @@
     <dgm:txEffectClrLst/>
   </dgm:styleLbl>
   <dgm:styleLbl name="fgSibTrans2D1">
-    <dgm:fillClrLst>
+    <dgm:fillClrLst meth="cycle">
       <a:schemeClr val="accent6">
         <a:shade val="90000"/>
       </a:schemeClr>
@@ -346,7 +344,7 @@
         <a:tint val="50000"/>
       </a:schemeClr>
     </dgm:fillClrLst>
-    <dgm:linClrLst>
+    <dgm:linClrLst meth="cycle">
       <a:schemeClr val="accent6">
         <a:shade val="90000"/>
       </a:schemeClr>
@@ -360,7 +358,7 @@
     <dgm:txEffectClrLst/>
   </dgm:styleLbl>
   <dgm:styleLbl name="bgSibTrans2D1">
-    <dgm:fillClrLst>
+    <dgm:fillClrLst meth="cycle">
       <a:schemeClr val="accent6">
         <a:shade val="90000"/>
       </a:schemeClr>
@@ -368,7 +366,7 @@
         <a:tint val="50000"/>
       </a:schemeClr>
     </dgm:fillClrLst>
-    <dgm:linClrLst>
+    <dgm:linClrLst meth="cycle">
       <a:schemeClr val="accent6">
         <a:shade val="90000"/>
       </a:schemeClr>
@@ -382,7 +380,7 @@
     <dgm:txEffectClrLst/>
   </dgm:styleLbl>
   <dgm:styleLbl name="sibTrans1D1">
-    <dgm:fillClrLst>
+    <dgm:fillClrLst meth="cycle">
       <a:schemeClr val="accent6">
         <a:shade val="90000"/>
       </a:schemeClr>
@@ -390,7 +388,7 @@
         <a:tint val="50000"/>
       </a:schemeClr>
     </dgm:fillClrLst>
-    <dgm:linClrLst>
+    <dgm:linClrLst meth="cycle">
       <a:schemeClr val="accent6">
         <a:shade val="90000"/>
       </a:schemeClr>
@@ -422,7 +420,7 @@
   <dgm:styleLbl name="asst0">
     <dgm:fillClrLst meth="repeat">
       <a:schemeClr val="accent6">
-        <a:alpha val="90000"/>
+        <a:shade val="80000"/>
       </a:schemeClr>
     </dgm:fillClrLst>
     <dgm:linClrLst meth="repeat">
@@ -436,7 +434,7 @@
   <dgm:styleLbl name="asst1">
     <dgm:fillClrLst meth="repeat">
       <a:schemeClr val="accent6">
-        <a:alpha val="90000"/>
+        <a:shade val="80000"/>
       </a:schemeClr>
     </dgm:fillClrLst>
     <dgm:linClrLst meth="repeat">
@@ -450,7 +448,7 @@
   <dgm:styleLbl name="asst2">
     <dgm:fillClrLst>
       <a:schemeClr val="accent6">
-        <a:alpha val="90000"/>
+        <a:tint val="90000"/>
       </a:schemeClr>
     </dgm:fillClrLst>
     <dgm:linClrLst meth="repeat">
@@ -464,7 +462,7 @@
   <dgm:styleLbl name="asst3">
     <dgm:fillClrLst>
       <a:schemeClr val="accent6">
-        <a:alpha val="70000"/>
+        <a:tint val="70000"/>
       </a:schemeClr>
     </dgm:fillClrLst>
     <dgm:linClrLst meth="repeat">
@@ -478,7 +476,7 @@
   <dgm:styleLbl name="asst4">
     <dgm:fillClrLst>
       <a:schemeClr val="accent6">
-        <a:alpha val="50000"/>
+        <a:tint val="50000"/>
       </a:schemeClr>
     </dgm:fillClrLst>
     <dgm:linClrLst meth="repeat">
@@ -492,7 +490,7 @@
   <dgm:styleLbl name="parChTrans2D1">
     <dgm:fillClrLst meth="repeat">
       <a:schemeClr val="accent6">
-        <a:shade val="80000"/>
+        <a:tint val="60000"/>
       </a:schemeClr>
     </dgm:fillClrLst>
     <dgm:linClrLst meth="repeat">
@@ -633,12 +631,12 @@
         <a:alpha val="90000"/>
       </a:schemeClr>
     </dgm:fillClrLst>
-    <dgm:linClrLst>
+    <dgm:linClrLst meth="cycle">
       <a:schemeClr val="accent6">
-        <a:alpha val="90000"/>
+        <a:shade val="50000"/>
       </a:schemeClr>
       <a:schemeClr val="accent6">
-        <a:alpha val="50000"/>
+        <a:tint val="55000"/>
       </a:schemeClr>
     </dgm:linClrLst>
     <dgm:effectClrLst/>
@@ -654,12 +652,12 @@
         <a:alpha val="90000"/>
       </a:schemeClr>
     </dgm:fillClrLst>
-    <dgm:linClrLst>
+    <dgm:linClrLst meth="cycle">
       <a:schemeClr val="accent6">
-        <a:alpha val="90000"/>
+        <a:shade val="50000"/>
       </a:schemeClr>
       <a:schemeClr val="accent6">
-        <a:alpha val="50000"/>
+        <a:tint val="55000"/>
       </a:schemeClr>
     </dgm:linClrLst>
     <dgm:effectClrLst/>
@@ -675,12 +673,12 @@
         <a:alpha val="90000"/>
       </a:schemeClr>
     </dgm:fillClrLst>
-    <dgm:linClrLst>
+    <dgm:linClrLst meth="cycle">
       <a:schemeClr val="accent6">
-        <a:alpha val="90000"/>
+        <a:shade val="50000"/>
       </a:schemeClr>
       <a:schemeClr val="accent6">
-        <a:alpha val="50000"/>
+        <a:tint val="55000"/>
       </a:schemeClr>
     </dgm:linClrLst>
     <dgm:effectClrLst/>
@@ -693,16 +691,11 @@
   <dgm:styleLbl name="trAlignAcc1">
     <dgm:fillClrLst meth="repeat">
       <a:schemeClr val="lt1">
-        <a:alpha val="40000"/>
+        <a:alpha val="55000"/>
       </a:schemeClr>
     </dgm:fillClrLst>
-    <dgm:linClrLst>
-      <a:schemeClr val="accent6">
-        <a:alpha val="90000"/>
-      </a:schemeClr>
-      <a:schemeClr val="accent6">
-        <a:alpha val="50000"/>
-      </a:schemeClr>
+    <dgm:linClrLst meth="repeat">
+      <a:schemeClr val="accent6"/>
     </dgm:linClrLst>
     <dgm:effectClrLst/>
     <dgm:txLinClrLst/>
@@ -717,12 +710,12 @@
         <a:alpha val="90000"/>
       </a:schemeClr>
     </dgm:fillClrLst>
-    <dgm:linClrLst>
+    <dgm:linClrLst meth="cycle">
       <a:schemeClr val="accent6">
-        <a:alpha val="90000"/>
+        <a:shade val="50000"/>
       </a:schemeClr>
       <a:schemeClr val="accent6">
-        <a:alpha val="50000"/>
+        <a:tint val="55000"/>
       </a:schemeClr>
     </dgm:linClrLst>
     <dgm:effectClrLst/>
@@ -736,12 +729,12 @@
     <dgm:fillClrLst meth="repeat">
       <a:schemeClr val="lt1"/>
     </dgm:fillClrLst>
-    <dgm:linClrLst>
+    <dgm:linClrLst meth="cycle">
       <a:schemeClr val="accent6">
-        <a:alpha val="90000"/>
+        <a:shade val="50000"/>
       </a:schemeClr>
       <a:schemeClr val="accent6">
-        <a:alpha val="50000"/>
+        <a:tint val="55000"/>
       </a:schemeClr>
     </dgm:linClrLst>
     <dgm:effectClrLst/>
@@ -780,20 +773,16 @@
     <dgm:txEffectClrLst/>
   </dgm:styleLbl>
   <dgm:styleLbl name="fgAccFollowNode1">
-    <dgm:fillClrLst>
+    <dgm:fillClrLst meth="repeat">
       <a:schemeClr val="accent6">
         <a:alpha val="90000"/>
-        <a:tint val="40000"/>
-      </a:schemeClr>
-      <a:schemeClr val="accent6">
-        <a:alpha val="50000"/>
-        <a:tint val="40000"/>
+        <a:tint val="55000"/>
       </a:schemeClr>
     </dgm:fillClrLst>
     <dgm:linClrLst meth="repeat">
       <a:schemeClr val="accent6">
         <a:alpha val="90000"/>
-        <a:tint val="40000"/>
+        <a:tint val="55000"/>
       </a:schemeClr>
     </dgm:linClrLst>
     <dgm:effectClrLst/>
@@ -807,13 +796,13 @@
     <dgm:fillClrLst meth="repeat">
       <a:schemeClr val="accent6">
         <a:alpha val="90000"/>
-        <a:tint val="40000"/>
+        <a:tint val="55000"/>
       </a:schemeClr>
     </dgm:fillClrLst>
     <dgm:linClrLst meth="repeat">
       <a:schemeClr val="accent6">
         <a:alpha val="90000"/>
-        <a:tint val="40000"/>
+        <a:tint val="55000"/>
       </a:schemeClr>
     </dgm:linClrLst>
     <dgm:effectClrLst/>
@@ -827,7 +816,7 @@
     <dgm:fillClrLst meth="repeat">
       <a:schemeClr val="accent6">
         <a:alpha val="90000"/>
-        <a:tint val="40000"/>
+        <a:tint val="55000"/>
       </a:schemeClr>
     </dgm:fillClrLst>
     <dgm:linClrLst meth="repeat">
@@ -915,7 +904,7 @@
   <dgm:styleLbl name="bgShp">
     <dgm:fillClrLst meth="repeat">
       <a:schemeClr val="accent6">
-        <a:tint val="40000"/>
+        <a:tint val="55000"/>
       </a:schemeClr>
     </dgm:fillClrLst>
     <dgm:linClrLst meth="repeat">
@@ -948,7 +937,7 @@
     <dgm:fillClrLst meth="repeat">
       <a:schemeClr val="accent6">
         <a:tint val="50000"/>
-        <a:alpha val="40000"/>
+        <a:alpha val="55000"/>
       </a:schemeClr>
     </dgm:fillClrLst>
     <dgm:linClrLst meth="repeat">
@@ -964,7 +953,7 @@
   <dgm:styleLbl name="fgShp">
     <dgm:fillClrLst meth="repeat">
       <a:schemeClr val="accent6">
-        <a:tint val="40000"/>
+        <a:tint val="55000"/>
       </a:schemeClr>
     </dgm:fillClrLst>
     <dgm:linClrLst meth="repeat">
@@ -1002,7 +991,7 @@
 <dgm:dataModel xmlns:dgm="http://schemas.openxmlformats.org/drawingml/2006/diagram" xmlns:a="http://schemas.openxmlformats.org/drawingml/2006/main">
   <dgm:ptLst>
     <dgm:pt modelId="{D9BD354B-FC53-4B66-938E-867353189C31}" type="doc">
-      <dgm:prSet loTypeId="urn:microsoft.com/office/officeart/2005/8/layout/chevron1" loCatId="process" qsTypeId="urn:microsoft.com/office/officeart/2005/8/quickstyle/simple1" qsCatId="simple" csTypeId="urn:microsoft.com/office/officeart/2005/8/colors/accent6_5" csCatId="accent6" phldr="1"/>
+      <dgm:prSet loTypeId="urn:microsoft.com/office/officeart/2005/8/layout/chevron1" loCatId="process" qsTypeId="urn:microsoft.com/office/officeart/2005/8/quickstyle/simple1" qsCatId="simple" csTypeId="urn:microsoft.com/office/officeart/2005/8/colors/accent6_4" csCatId="accent6" phldr="1"/>
       <dgm:spPr/>
       <dgm:t>
         <a:bodyPr/>
@@ -1098,7 +1087,7 @@
         <a:lstStyle/>
         <a:p>
           <a:r>
-            <a:rPr lang="en-US" sz="1900">
+            <a:rPr lang="en-US" sz="1900" dirty="0">
               <a:latin typeface="Amasis MT Pro Medium" panose="02040604050005020304" pitchFamily="18" charset="0"/>
             </a:rPr>
             <a:t>DEVELOPMENT</a:t>
@@ -1275,7 +1264,9 @@
     <dgm:cxn modelId="{417E4FAD-8AB1-4048-BEAD-0AA499B7B8F9}" type="presParOf" srcId="{B649AC34-6C69-4516-A854-81DF4A3F2776}" destId="{B0EB01AE-FED3-480D-B3A8-CDC376B2FB12}" srcOrd="5" destOrd="0" presId="urn:microsoft.com/office/officeart/2005/8/layout/chevron1"/>
     <dgm:cxn modelId="{BA7F17FB-B9FD-4A18-9AD4-BD874B5C5E90}" type="presParOf" srcId="{B649AC34-6C69-4516-A854-81DF4A3F2776}" destId="{7AC3D2FA-F320-493E-B646-8E6E15EC5378}" srcOrd="6" destOrd="0" presId="urn:microsoft.com/office/officeart/2005/8/layout/chevron1"/>
   </dgm:cxnLst>
-  <dgm:bg/>
+  <dgm:bg>
+    <a:noFill/>
+  </dgm:bg>
   <dgm:whole/>
   <dgm:extLst>
     <a:ext uri="http://schemas.microsoft.com/office/drawing/2008/diagram">
@@ -1311,7 +1302,7 @@
         </a:prstGeom>
         <a:solidFill>
           <a:schemeClr val="accent6">
-            <a:alpha val="90000"/>
+            <a:shade val="50000"/>
             <a:hueOff val="0"/>
             <a:satOff val="0"/>
             <a:lumOff val="0"/>
@@ -1393,11 +1384,11 @@
         </a:prstGeom>
         <a:solidFill>
           <a:schemeClr val="accent6">
-            <a:alpha val="90000"/>
-            <a:hueOff val="0"/>
-            <a:satOff val="0"/>
-            <a:lumOff val="0"/>
-            <a:alphaOff val="-13333"/>
+            <a:shade val="50000"/>
+            <a:hueOff val="184212"/>
+            <a:satOff val="-8053"/>
+            <a:lumOff val="21981"/>
+            <a:alphaOff val="0"/>
           </a:schemeClr>
         </a:solidFill>
         <a:ln w="12700" cap="flat" cmpd="sng" algn="ctr">
@@ -1475,11 +1466,11 @@
         </a:prstGeom>
         <a:solidFill>
           <a:schemeClr val="accent6">
-            <a:alpha val="90000"/>
-            <a:hueOff val="0"/>
-            <a:satOff val="0"/>
-            <a:lumOff val="0"/>
-            <a:alphaOff val="-26667"/>
+            <a:shade val="50000"/>
+            <a:hueOff val="368424"/>
+            <a:satOff val="-16105"/>
+            <a:lumOff val="43961"/>
+            <a:alphaOff val="0"/>
           </a:schemeClr>
         </a:solidFill>
         <a:ln w="12700" cap="flat" cmpd="sng" algn="ctr">
@@ -1529,7 +1520,7 @@
             <a:buNone/>
           </a:pPr>
           <a:r>
-            <a:rPr lang="en-US" sz="1900" kern="1200">
+            <a:rPr lang="en-US" sz="1900" kern="1200" dirty="0">
               <a:latin typeface="Amasis MT Pro Medium" panose="02040604050005020304" pitchFamily="18" charset="0"/>
             </a:rPr>
             <a:t>DEVELOPMENT</a:t>
@@ -1557,11 +1548,11 @@
         </a:prstGeom>
         <a:solidFill>
           <a:schemeClr val="accent6">
-            <a:alpha val="90000"/>
-            <a:hueOff val="0"/>
-            <a:satOff val="0"/>
-            <a:lumOff val="0"/>
-            <a:alphaOff val="-40000"/>
+            <a:shade val="50000"/>
+            <a:hueOff val="184212"/>
+            <a:satOff val="-8053"/>
+            <a:lumOff val="21981"/>
+            <a:alphaOff val="0"/>
           </a:schemeClr>
         </a:solidFill>
         <a:ln w="12700" cap="flat" cmpd="sng" algn="ctr">
@@ -3098,7 +3089,7 @@
           <a:p>
             <a:fld id="{AD316E36-73DA-4A50-B6A4-7D804A27AF4A}" type="datetimeFigureOut">
               <a:rPr lang="en-US" smtClean="0"/>
-              <a:t>6/23/2022</a:t>
+              <a:t>6/24/2022</a:t>
             </a:fld>
             <a:endParaRPr lang="en-US"/>
           </a:p>
@@ -3168,6 +3159,18 @@
   <p:clrMapOvr>
     <a:masterClrMapping/>
   </p:clrMapOvr>
+  <mc:AlternateContent xmlns:mc="http://schemas.openxmlformats.org/markup-compatibility/2006">
+    <mc:Choice xmlns:p14="http://schemas.microsoft.com/office/powerpoint/2010/main" Requires="p14">
+      <p:transition spd="slow" p14:dur="1600">
+        <p:blinds dir="vert"/>
+      </p:transition>
+    </mc:Choice>
+    <mc:Fallback>
+      <p:transition spd="slow">
+        <p:blinds dir="vert"/>
+      </p:transition>
+    </mc:Fallback>
+  </mc:AlternateContent>
 </p:sldLayout>
 </file>
 
@@ -3296,7 +3299,7 @@
           <a:p>
             <a:fld id="{AD316E36-73DA-4A50-B6A4-7D804A27AF4A}" type="datetimeFigureOut">
               <a:rPr lang="en-US" smtClean="0"/>
-              <a:t>6/23/2022</a:t>
+              <a:t>6/24/2022</a:t>
             </a:fld>
             <a:endParaRPr lang="en-US"/>
           </a:p>
@@ -3366,6 +3369,18 @@
   <p:clrMapOvr>
     <a:masterClrMapping/>
   </p:clrMapOvr>
+  <mc:AlternateContent xmlns:mc="http://schemas.openxmlformats.org/markup-compatibility/2006">
+    <mc:Choice xmlns:p14="http://schemas.microsoft.com/office/powerpoint/2010/main" Requires="p14">
+      <p:transition spd="slow" p14:dur="1600">
+        <p:blinds dir="vert"/>
+      </p:transition>
+    </mc:Choice>
+    <mc:Fallback>
+      <p:transition spd="slow">
+        <p:blinds dir="vert"/>
+      </p:transition>
+    </mc:Fallback>
+  </mc:AlternateContent>
 </p:sldLayout>
 </file>
 
@@ -3504,7 +3519,7 @@
           <a:p>
             <a:fld id="{AD316E36-73DA-4A50-B6A4-7D804A27AF4A}" type="datetimeFigureOut">
               <a:rPr lang="en-US" smtClean="0"/>
-              <a:t>6/23/2022</a:t>
+              <a:t>6/24/2022</a:t>
             </a:fld>
             <a:endParaRPr lang="en-US"/>
           </a:p>
@@ -3574,6 +3589,18 @@
   <p:clrMapOvr>
     <a:masterClrMapping/>
   </p:clrMapOvr>
+  <mc:AlternateContent xmlns:mc="http://schemas.openxmlformats.org/markup-compatibility/2006">
+    <mc:Choice xmlns:p14="http://schemas.microsoft.com/office/powerpoint/2010/main" Requires="p14">
+      <p:transition spd="slow" p14:dur="1600">
+        <p:blinds dir="vert"/>
+      </p:transition>
+    </mc:Choice>
+    <mc:Fallback>
+      <p:transition spd="slow">
+        <p:blinds dir="vert"/>
+      </p:transition>
+    </mc:Fallback>
+  </mc:AlternateContent>
 </p:sldLayout>
 </file>
 
@@ -3702,7 +3729,7 @@
           <a:p>
             <a:fld id="{AD316E36-73DA-4A50-B6A4-7D804A27AF4A}" type="datetimeFigureOut">
               <a:rPr lang="en-US" smtClean="0"/>
-              <a:t>6/23/2022</a:t>
+              <a:t>6/24/2022</a:t>
             </a:fld>
             <a:endParaRPr lang="en-US"/>
           </a:p>
@@ -3772,6 +3799,18 @@
   <p:clrMapOvr>
     <a:masterClrMapping/>
   </p:clrMapOvr>
+  <mc:AlternateContent xmlns:mc="http://schemas.openxmlformats.org/markup-compatibility/2006">
+    <mc:Choice xmlns:p14="http://schemas.microsoft.com/office/powerpoint/2010/main" Requires="p14">
+      <p:transition spd="slow" p14:dur="1600">
+        <p:blinds dir="vert"/>
+      </p:transition>
+    </mc:Choice>
+    <mc:Fallback>
+      <p:transition spd="slow">
+        <p:blinds dir="vert"/>
+      </p:transition>
+    </mc:Fallback>
+  </mc:AlternateContent>
 </p:sldLayout>
 </file>
 
@@ -3977,7 +4016,7 @@
           <a:p>
             <a:fld id="{AD316E36-73DA-4A50-B6A4-7D804A27AF4A}" type="datetimeFigureOut">
               <a:rPr lang="en-US" smtClean="0"/>
-              <a:t>6/23/2022</a:t>
+              <a:t>6/24/2022</a:t>
             </a:fld>
             <a:endParaRPr lang="en-US"/>
           </a:p>
@@ -4047,6 +4086,18 @@
   <p:clrMapOvr>
     <a:masterClrMapping/>
   </p:clrMapOvr>
+  <mc:AlternateContent xmlns:mc="http://schemas.openxmlformats.org/markup-compatibility/2006">
+    <mc:Choice xmlns:p14="http://schemas.microsoft.com/office/powerpoint/2010/main" Requires="p14">
+      <p:transition spd="slow" p14:dur="1600">
+        <p:blinds dir="vert"/>
+      </p:transition>
+    </mc:Choice>
+    <mc:Fallback>
+      <p:transition spd="slow">
+        <p:blinds dir="vert"/>
+      </p:transition>
+    </mc:Fallback>
+  </mc:AlternateContent>
 </p:sldLayout>
 </file>
 
@@ -4242,7 +4293,7 @@
           <a:p>
             <a:fld id="{AD316E36-73DA-4A50-B6A4-7D804A27AF4A}" type="datetimeFigureOut">
               <a:rPr lang="en-US" smtClean="0"/>
-              <a:t>6/23/2022</a:t>
+              <a:t>6/24/2022</a:t>
             </a:fld>
             <a:endParaRPr lang="en-US"/>
           </a:p>
@@ -4312,6 +4363,18 @@
   <p:clrMapOvr>
     <a:masterClrMapping/>
   </p:clrMapOvr>
+  <mc:AlternateContent xmlns:mc="http://schemas.openxmlformats.org/markup-compatibility/2006">
+    <mc:Choice xmlns:p14="http://schemas.microsoft.com/office/powerpoint/2010/main" Requires="p14">
+      <p:transition spd="slow" p14:dur="1600">
+        <p:blinds dir="vert"/>
+      </p:transition>
+    </mc:Choice>
+    <mc:Fallback>
+      <p:transition spd="slow">
+        <p:blinds dir="vert"/>
+      </p:transition>
+    </mc:Fallback>
+  </mc:AlternateContent>
 </p:sldLayout>
 </file>
 
@@ -4654,7 +4717,7 @@
           <a:p>
             <a:fld id="{AD316E36-73DA-4A50-B6A4-7D804A27AF4A}" type="datetimeFigureOut">
               <a:rPr lang="en-US" smtClean="0"/>
-              <a:t>6/23/2022</a:t>
+              <a:t>6/24/2022</a:t>
             </a:fld>
             <a:endParaRPr lang="en-US"/>
           </a:p>
@@ -4724,6 +4787,18 @@
   <p:clrMapOvr>
     <a:masterClrMapping/>
   </p:clrMapOvr>
+  <mc:AlternateContent xmlns:mc="http://schemas.openxmlformats.org/markup-compatibility/2006">
+    <mc:Choice xmlns:p14="http://schemas.microsoft.com/office/powerpoint/2010/main" Requires="p14">
+      <p:transition spd="slow" p14:dur="1600">
+        <p:blinds dir="vert"/>
+      </p:transition>
+    </mc:Choice>
+    <mc:Fallback>
+      <p:transition spd="slow">
+        <p:blinds dir="vert"/>
+      </p:transition>
+    </mc:Fallback>
+  </mc:AlternateContent>
 </p:sldLayout>
 </file>
 
@@ -4795,7 +4870,7 @@
           <a:p>
             <a:fld id="{AD316E36-73DA-4A50-B6A4-7D804A27AF4A}" type="datetimeFigureOut">
               <a:rPr lang="en-US" smtClean="0"/>
-              <a:t>6/23/2022</a:t>
+              <a:t>6/24/2022</a:t>
             </a:fld>
             <a:endParaRPr lang="en-US"/>
           </a:p>
@@ -4865,6 +4940,18 @@
   <p:clrMapOvr>
     <a:masterClrMapping/>
   </p:clrMapOvr>
+  <mc:AlternateContent xmlns:mc="http://schemas.openxmlformats.org/markup-compatibility/2006">
+    <mc:Choice xmlns:p14="http://schemas.microsoft.com/office/powerpoint/2010/main" Requires="p14">
+      <p:transition spd="slow" p14:dur="1600">
+        <p:blinds dir="vert"/>
+      </p:transition>
+    </mc:Choice>
+    <mc:Fallback>
+      <p:transition spd="slow">
+        <p:blinds dir="vert"/>
+      </p:transition>
+    </mc:Fallback>
+  </mc:AlternateContent>
 </p:sldLayout>
 </file>
 
@@ -4908,7 +4995,7 @@
           <a:p>
             <a:fld id="{AD316E36-73DA-4A50-B6A4-7D804A27AF4A}" type="datetimeFigureOut">
               <a:rPr lang="en-US" smtClean="0"/>
-              <a:t>6/23/2022</a:t>
+              <a:t>6/24/2022</a:t>
             </a:fld>
             <a:endParaRPr lang="en-US"/>
           </a:p>
@@ -4978,6 +5065,18 @@
   <p:clrMapOvr>
     <a:masterClrMapping/>
   </p:clrMapOvr>
+  <mc:AlternateContent xmlns:mc="http://schemas.openxmlformats.org/markup-compatibility/2006">
+    <mc:Choice xmlns:p14="http://schemas.microsoft.com/office/powerpoint/2010/main" Requires="p14">
+      <p:transition spd="slow" p14:dur="1600">
+        <p:blinds dir="vert"/>
+      </p:transition>
+    </mc:Choice>
+    <mc:Fallback>
+      <p:transition spd="slow">
+        <p:blinds dir="vert"/>
+      </p:transition>
+    </mc:Fallback>
+  </mc:AlternateContent>
 </p:sldLayout>
 </file>
 
@@ -5219,7 +5318,7 @@
           <a:p>
             <a:fld id="{AD316E36-73DA-4A50-B6A4-7D804A27AF4A}" type="datetimeFigureOut">
               <a:rPr lang="en-US" smtClean="0"/>
-              <a:t>6/23/2022</a:t>
+              <a:t>6/24/2022</a:t>
             </a:fld>
             <a:endParaRPr lang="en-US"/>
           </a:p>
@@ -5289,6 +5388,18 @@
   <p:clrMapOvr>
     <a:masterClrMapping/>
   </p:clrMapOvr>
+  <mc:AlternateContent xmlns:mc="http://schemas.openxmlformats.org/markup-compatibility/2006">
+    <mc:Choice xmlns:p14="http://schemas.microsoft.com/office/powerpoint/2010/main" Requires="p14">
+      <p:transition spd="slow" p14:dur="1600">
+        <p:blinds dir="vert"/>
+      </p:transition>
+    </mc:Choice>
+    <mc:Fallback>
+      <p:transition spd="slow">
+        <p:blinds dir="vert"/>
+      </p:transition>
+    </mc:Fallback>
+  </mc:AlternateContent>
 </p:sldLayout>
 </file>
 
@@ -5507,7 +5618,7 @@
           <a:p>
             <a:fld id="{AD316E36-73DA-4A50-B6A4-7D804A27AF4A}" type="datetimeFigureOut">
               <a:rPr lang="en-US" smtClean="0"/>
-              <a:t>6/23/2022</a:t>
+              <a:t>6/24/2022</a:t>
             </a:fld>
             <a:endParaRPr lang="en-US"/>
           </a:p>
@@ -5577,6 +5688,18 @@
   <p:clrMapOvr>
     <a:masterClrMapping/>
   </p:clrMapOvr>
+  <mc:AlternateContent xmlns:mc="http://schemas.openxmlformats.org/markup-compatibility/2006">
+    <mc:Choice xmlns:p14="http://schemas.microsoft.com/office/powerpoint/2010/main" Requires="p14">
+      <p:transition spd="slow" p14:dur="1600">
+        <p:blinds dir="vert"/>
+      </p:transition>
+    </mc:Choice>
+    <mc:Fallback>
+      <p:transition spd="slow">
+        <p:blinds dir="vert"/>
+      </p:transition>
+    </mc:Fallback>
+  </mc:AlternateContent>
 </p:sldLayout>
 </file>
 
@@ -5748,7 +5871,7 @@
           <a:p>
             <a:fld id="{AD316E36-73DA-4A50-B6A4-7D804A27AF4A}" type="datetimeFigureOut">
               <a:rPr lang="en-US" smtClean="0"/>
-              <a:t>6/23/2022</a:t>
+              <a:t>6/24/2022</a:t>
             </a:fld>
             <a:endParaRPr lang="en-US"/>
           </a:p>
@@ -5865,6 +5988,18 @@
     <p:sldLayoutId id="2147483694" r:id="rId10"/>
     <p:sldLayoutId id="2147483695" r:id="rId11"/>
   </p:sldLayoutIdLst>
+  <mc:AlternateContent xmlns:mc="http://schemas.openxmlformats.org/markup-compatibility/2006">
+    <mc:Choice xmlns:p14="http://schemas.microsoft.com/office/powerpoint/2010/main" Requires="p14">
+      <p:transition spd="slow" p14:dur="1600">
+        <p:blinds dir="vert"/>
+      </p:transition>
+    </mc:Choice>
+    <mc:Fallback>
+      <p:transition spd="slow">
+        <p:blinds dir="vert"/>
+      </p:transition>
+    </mc:Fallback>
+  </mc:AlternateContent>
   <p:txStyles>
     <p:titleStyle>
       <a:lvl1pPr algn="l" defTabSz="914400" rtl="0" eaLnBrk="1" latinLnBrk="0" hangingPunct="1">
@@ -6354,6 +6489,18 @@
   <p:clrMapOvr>
     <a:masterClrMapping/>
   </p:clrMapOvr>
+  <mc:AlternateContent xmlns:mc="http://schemas.openxmlformats.org/markup-compatibility/2006">
+    <mc:Choice xmlns:p14="http://schemas.microsoft.com/office/powerpoint/2010/main" Requires="p14">
+      <p:transition spd="slow" p14:dur="1600">
+        <p:blinds dir="vert"/>
+      </p:transition>
+    </mc:Choice>
+    <mc:Fallback>
+      <p:transition spd="slow">
+        <p:blinds dir="vert"/>
+      </p:transition>
+    </mc:Fallback>
+  </mc:AlternateContent>
 </p:sld>
 </file>
 
@@ -6363,7 +6510,7 @@
     <p:bg>
       <p:bgPr>
         <a:solidFill>
-          <a:schemeClr val="accent5">
+          <a:schemeClr val="accent6">
             <a:lumMod val="40000"/>
             <a:lumOff val="60000"/>
           </a:schemeClr>
@@ -6401,13 +6548,39 @@
         </p:nvPicPr>
         <p:blipFill>
           <a:blip r:embed="rId2">
+            <a:clrChange>
+              <a:clrFrom>
+                <a:srgbClr val="000000">
+                  <a:alpha val="0"/>
+                </a:srgbClr>
+              </a:clrFrom>
+              <a:clrTo>
+                <a:srgbClr val="000000">
+                  <a:alpha val="0"/>
+                </a:srgbClr>
+              </a:clrTo>
+            </a:clrChange>
             <a:duotone>
-              <a:schemeClr val="accent5">
+              <a:schemeClr val="accent6">
                 <a:shade val="45000"/>
                 <a:satMod val="135000"/>
               </a:schemeClr>
               <a:prstClr val="white"/>
             </a:duotone>
+            <a:extLst>
+              <a:ext uri="{BEBA8EAE-BF5A-486C-A8C5-ECC9F3942E4B}">
+                <a14:imgProps xmlns:a14="http://schemas.microsoft.com/office/drawing/2010/main">
+                  <a14:imgLayer r:embed="rId3">
+                    <a14:imgEffect>
+                      <a14:colorTemperature colorTemp="11100"/>
+                    </a14:imgEffect>
+                    <a14:imgEffect>
+                      <a14:brightnessContrast bright="20000" contrast="40000"/>
+                    </a14:imgEffect>
+                  </a14:imgLayer>
+                </a14:imgProps>
+              </a:ext>
+            </a:extLst>
           </a:blip>
           <a:stretch>
             <a:fillRect/>
@@ -6415,8 +6588,8 @@
         </p:blipFill>
         <p:spPr>
           <a:xfrm>
-            <a:off x="0" y="0"/>
-            <a:ext cx="12192000" cy="6858000"/>
+            <a:off x="3314669" y="218070"/>
+            <a:ext cx="8674755" cy="4879550"/>
           </a:xfrm>
           <a:prstGeom prst="rect">
             <a:avLst/>
@@ -6438,18 +6611,18 @@
           <p:nvPr/>
         </p:nvPicPr>
         <p:blipFill>
-          <a:blip r:embed="rId3">
+          <a:blip r:embed="rId4">
             <a:duotone>
-              <a:schemeClr val="accent5">
-                <a:shade val="45000"/>
-                <a:satMod val="135000"/>
+              <a:prstClr val="black"/>
+              <a:schemeClr val="accent6">
+                <a:tint val="45000"/>
+                <a:satMod val="400000"/>
               </a:schemeClr>
-              <a:prstClr val="white"/>
             </a:duotone>
             <a:extLst>
               <a:ext uri="{BEBA8EAE-BF5A-486C-A8C5-ECC9F3942E4B}">
                 <a14:imgProps xmlns:a14="http://schemas.microsoft.com/office/drawing/2010/main">
-                  <a14:imgLayer r:embed="rId4">
+                  <a14:imgLayer r:embed="rId5">
                     <a14:imgEffect>
                       <a14:colorTemperature colorTemp="11200"/>
                     </a14:imgEffect>
@@ -6464,7 +6637,7 @@
         </p:blipFill>
         <p:spPr>
           <a:xfrm>
-            <a:off x="-173562" y="156534"/>
+            <a:off x="-13191" y="0"/>
             <a:ext cx="12192000" cy="6858000"/>
           </a:xfrm>
           <a:prstGeom prst="rect">
@@ -6473,9 +6646,7 @@
           <a:ln>
             <a:noFill/>
           </a:ln>
-          <a:effectLst>
-            <a:softEdge rad="112500"/>
-          </a:effectLst>
+          <a:effectLst/>
         </p:spPr>
       </p:pic>
       <p:sp>
@@ -6516,7 +6687,9 @@
                   <a:noFill/>
                 </a:ln>
                 <a:solidFill>
-                  <a:srgbClr val="E3EFE5"/>
+                  <a:schemeClr val="accent6">
+                    <a:lumMod val="75000"/>
+                  </a:schemeClr>
                 </a:solidFill>
                 <a:latin typeface="Bookman Old Style" panose="02050604050505020204" pitchFamily="18" charset="0"/>
               </a:rPr>
@@ -6534,7 +6707,9 @@
                   <a:noFill/>
                 </a:ln>
                 <a:solidFill>
-                  <a:srgbClr val="E3EFE5"/>
+                  <a:schemeClr val="accent6">
+                    <a:lumMod val="75000"/>
+                  </a:schemeClr>
                 </a:solidFill>
                 <a:latin typeface="Bookman Old Style" panose="02050604050505020204" pitchFamily="18" charset="0"/>
               </a:rPr>
@@ -6552,7 +6727,9 @@
                   <a:noFill/>
                 </a:ln>
                 <a:solidFill>
-                  <a:srgbClr val="E3EFE5"/>
+                  <a:schemeClr val="accent6">
+                    <a:lumMod val="75000"/>
+                  </a:schemeClr>
                 </a:solidFill>
                 <a:latin typeface="Bookman Old Style" panose="02050604050505020204" pitchFamily="18" charset="0"/>
               </a:rPr>
@@ -6570,7 +6747,9 @@
                   <a:noFill/>
                 </a:ln>
                 <a:solidFill>
-                  <a:srgbClr val="E3EFE5"/>
+                  <a:schemeClr val="accent6">
+                    <a:lumMod val="75000"/>
+                  </a:schemeClr>
                 </a:solidFill>
                 <a:latin typeface="Bookman Old Style" panose="02050604050505020204" pitchFamily="18" charset="0"/>
               </a:rPr>
@@ -6625,7 +6804,9 @@
                   <a:noFill/>
                 </a:ln>
                 <a:solidFill>
-                  <a:srgbClr val="E3EFE5"/>
+                  <a:schemeClr val="accent6">
+                    <a:lumMod val="75000"/>
+                  </a:schemeClr>
                 </a:solidFill>
                 <a:latin typeface="Bookman Old Style" panose="02050604050505020204" pitchFamily="18" charset="0"/>
               </a:rPr>
@@ -6637,13 +6818,21 @@
                   <a:noFill/>
                 </a:ln>
                 <a:solidFill>
-                  <a:srgbClr val="E3EFE5"/>
+                  <a:schemeClr val="accent6">
+                    <a:lumMod val="75000"/>
+                  </a:schemeClr>
                 </a:solidFill>
                 <a:latin typeface="Bookman Old Style" panose="02050604050505020204" pitchFamily="18" charset="0"/>
               </a:rPr>
               <a:t>:</a:t>
             </a:r>
-            <a:endParaRPr lang="en-US" dirty="0"/>
+            <a:endParaRPr lang="en-US" dirty="0">
+              <a:solidFill>
+                <a:schemeClr val="accent6">
+                  <a:lumMod val="75000"/>
+                </a:schemeClr>
+              </a:solidFill>
+            </a:endParaRPr>
           </a:p>
         </p:txBody>
       </p:sp>
@@ -6657,6 +6846,18 @@
   <p:clrMapOvr>
     <a:masterClrMapping/>
   </p:clrMapOvr>
+  <mc:AlternateContent xmlns:mc="http://schemas.openxmlformats.org/markup-compatibility/2006">
+    <mc:Choice xmlns:p14="http://schemas.microsoft.com/office/powerpoint/2010/main" Requires="p14">
+      <p:transition spd="slow" p14:dur="1600">
+        <p:blinds dir="vert"/>
+      </p:transition>
+    </mc:Choice>
+    <mc:Fallback>
+      <p:transition spd="slow">
+        <p:blinds dir="vert"/>
+      </p:transition>
+    </mc:Fallback>
+  </mc:AlternateContent>
 </p:sld>
 </file>
 
@@ -6813,6 +7014,18 @@
   <p:clrMapOvr>
     <a:masterClrMapping/>
   </p:clrMapOvr>
+  <mc:AlternateContent xmlns:mc="http://schemas.openxmlformats.org/markup-compatibility/2006">
+    <mc:Choice xmlns:p14="http://schemas.microsoft.com/office/powerpoint/2010/main" Requires="p14">
+      <p:transition spd="slow" p14:dur="1600">
+        <p:blinds dir="vert"/>
+      </p:transition>
+    </mc:Choice>
+    <mc:Fallback>
+      <p:transition spd="slow">
+        <p:blinds dir="vert"/>
+      </p:transition>
+    </mc:Fallback>
+  </mc:AlternateContent>
 </p:sld>
 </file>
 
@@ -7007,6 +7220,18 @@
   <p:clrMapOvr>
     <a:masterClrMapping/>
   </p:clrMapOvr>
+  <mc:AlternateContent xmlns:mc="http://schemas.openxmlformats.org/markup-compatibility/2006">
+    <mc:Choice xmlns:p14="http://schemas.microsoft.com/office/powerpoint/2010/main" Requires="p14">
+      <p:transition spd="slow" p14:dur="1600">
+        <p:blinds dir="vert"/>
+      </p:transition>
+    </mc:Choice>
+    <mc:Fallback>
+      <p:transition spd="slow">
+        <p:blinds dir="vert"/>
+      </p:transition>
+    </mc:Fallback>
+  </mc:AlternateContent>
 </p:sld>
 </file>
 
@@ -7045,7 +7270,7 @@
           <a:blip r:embed="rId2">
             <a:duotone>
               <a:prstClr val="black"/>
-              <a:schemeClr val="accent4">
+              <a:schemeClr val="accent6">
                 <a:tint val="45000"/>
                 <a:satMod val="400000"/>
               </a:schemeClr>
@@ -7148,13 +7373,13 @@
           <p:nvPr>
             <p:extLst>
               <p:ext uri="{D42A27DB-BD31-4B8C-83A1-F6EECF244321}">
-                <p14:modId xmlns:p14="http://schemas.microsoft.com/office/powerpoint/2010/main" val="2352167302"/>
+                <p14:modId xmlns:p14="http://schemas.microsoft.com/office/powerpoint/2010/main" val="3924647413"/>
               </p:ext>
             </p:extLst>
           </p:nvPr>
         </p:nvGraphicFramePr>
         <p:xfrm>
-          <a:off x="-89647" y="2061882"/>
+          <a:off x="-170329" y="2127870"/>
           <a:ext cx="12362329" cy="4227158"/>
         </p:xfrm>
         <a:graphic>
@@ -7173,6 +7398,18 @@
   <p:clrMapOvr>
     <a:masterClrMapping/>
   </p:clrMapOvr>
+  <mc:AlternateContent xmlns:mc="http://schemas.openxmlformats.org/markup-compatibility/2006">
+    <mc:Choice xmlns:p14="http://schemas.microsoft.com/office/powerpoint/2010/main" Requires="p14">
+      <p:transition spd="slow" p14:dur="1600">
+        <p:blinds dir="vert"/>
+      </p:transition>
+    </mc:Choice>
+    <mc:Fallback>
+      <p:transition spd="slow">
+        <p:blinds dir="vert"/>
+      </p:transition>
+    </mc:Fallback>
+  </mc:AlternateContent>
 </p:sld>
 </file>
 
@@ -7223,7 +7460,7 @@
         </p:blipFill>
         <p:spPr>
           <a:xfrm>
-            <a:off x="0" y="-251011"/>
+            <a:off x="0" y="0"/>
             <a:ext cx="12192000" cy="6858000"/>
           </a:xfrm>
           <a:prstGeom prst="rect">
@@ -7516,6 +7753,18 @@
   <p:clrMapOvr>
     <a:masterClrMapping/>
   </p:clrMapOvr>
+  <mc:AlternateContent xmlns:mc="http://schemas.openxmlformats.org/markup-compatibility/2006">
+    <mc:Choice xmlns:p14="http://schemas.microsoft.com/office/powerpoint/2010/main" Requires="p14">
+      <p:transition spd="slow" p14:dur="1600">
+        <p:blinds dir="vert"/>
+      </p:transition>
+    </mc:Choice>
+    <mc:Fallback>
+      <p:transition spd="slow">
+        <p:blinds dir="vert"/>
+      </p:transition>
+    </mc:Fallback>
+  </mc:AlternateContent>
 </p:sld>
 </file>
 
@@ -7658,6 +7907,18 @@
   <p:clrMapOvr>
     <a:masterClrMapping/>
   </p:clrMapOvr>
+  <mc:AlternateContent xmlns:mc="http://schemas.openxmlformats.org/markup-compatibility/2006">
+    <mc:Choice xmlns:p14="http://schemas.microsoft.com/office/powerpoint/2010/main" Requires="p14">
+      <p:transition spd="slow" p14:dur="1600">
+        <p:blinds dir="vert"/>
+      </p:transition>
+    </mc:Choice>
+    <mc:Fallback>
+      <p:transition spd="slow">
+        <p:blinds dir="vert"/>
+      </p:transition>
+    </mc:Fallback>
+  </mc:AlternateContent>
 </p:sld>
 </file>
 

--- a/Documentation/Presentation.pptx
+++ b/Documentation/Presentation.pptx
@@ -3159,13 +3159,13 @@
   <p:clrMapOvr>
     <a:masterClrMapping/>
   </p:clrMapOvr>
-  <mc:AlternateContent xmlns:mc="http://schemas.openxmlformats.org/markup-compatibility/2006">
-    <mc:Choice xmlns:p14="http://schemas.microsoft.com/office/powerpoint/2010/main" Requires="p14">
+  <mc:AlternateContent xmlns:mc="http://schemas.openxmlformats.org/markup-compatibility/2006" xmlns:p14="http://schemas.microsoft.com/office/powerpoint/2010/main">
+    <mc:Choice Requires="p14">
       <p:transition spd="slow" p14:dur="1600">
         <p:blinds dir="vert"/>
       </p:transition>
     </mc:Choice>
-    <mc:Fallback>
+    <mc:Fallback xmlns="">
       <p:transition spd="slow">
         <p:blinds dir="vert"/>
       </p:transition>
@@ -3369,13 +3369,13 @@
   <p:clrMapOvr>
     <a:masterClrMapping/>
   </p:clrMapOvr>
-  <mc:AlternateContent xmlns:mc="http://schemas.openxmlformats.org/markup-compatibility/2006">
-    <mc:Choice xmlns:p14="http://schemas.microsoft.com/office/powerpoint/2010/main" Requires="p14">
+  <mc:AlternateContent xmlns:mc="http://schemas.openxmlformats.org/markup-compatibility/2006" xmlns:p14="http://schemas.microsoft.com/office/powerpoint/2010/main">
+    <mc:Choice Requires="p14">
       <p:transition spd="slow" p14:dur="1600">
         <p:blinds dir="vert"/>
       </p:transition>
     </mc:Choice>
-    <mc:Fallback>
+    <mc:Fallback xmlns="">
       <p:transition spd="slow">
         <p:blinds dir="vert"/>
       </p:transition>
@@ -3589,13 +3589,13 @@
   <p:clrMapOvr>
     <a:masterClrMapping/>
   </p:clrMapOvr>
-  <mc:AlternateContent xmlns:mc="http://schemas.openxmlformats.org/markup-compatibility/2006">
-    <mc:Choice xmlns:p14="http://schemas.microsoft.com/office/powerpoint/2010/main" Requires="p14">
+  <mc:AlternateContent xmlns:mc="http://schemas.openxmlformats.org/markup-compatibility/2006" xmlns:p14="http://schemas.microsoft.com/office/powerpoint/2010/main">
+    <mc:Choice Requires="p14">
       <p:transition spd="slow" p14:dur="1600">
         <p:blinds dir="vert"/>
       </p:transition>
     </mc:Choice>
-    <mc:Fallback>
+    <mc:Fallback xmlns="">
       <p:transition spd="slow">
         <p:blinds dir="vert"/>
       </p:transition>
@@ -3799,13 +3799,13 @@
   <p:clrMapOvr>
     <a:masterClrMapping/>
   </p:clrMapOvr>
-  <mc:AlternateContent xmlns:mc="http://schemas.openxmlformats.org/markup-compatibility/2006">
-    <mc:Choice xmlns:p14="http://schemas.microsoft.com/office/powerpoint/2010/main" Requires="p14">
+  <mc:AlternateContent xmlns:mc="http://schemas.openxmlformats.org/markup-compatibility/2006" xmlns:p14="http://schemas.microsoft.com/office/powerpoint/2010/main">
+    <mc:Choice Requires="p14">
       <p:transition spd="slow" p14:dur="1600">
         <p:blinds dir="vert"/>
       </p:transition>
     </mc:Choice>
-    <mc:Fallback>
+    <mc:Fallback xmlns="">
       <p:transition spd="slow">
         <p:blinds dir="vert"/>
       </p:transition>
@@ -4086,13 +4086,13 @@
   <p:clrMapOvr>
     <a:masterClrMapping/>
   </p:clrMapOvr>
-  <mc:AlternateContent xmlns:mc="http://schemas.openxmlformats.org/markup-compatibility/2006">
-    <mc:Choice xmlns:p14="http://schemas.microsoft.com/office/powerpoint/2010/main" Requires="p14">
+  <mc:AlternateContent xmlns:mc="http://schemas.openxmlformats.org/markup-compatibility/2006" xmlns:p14="http://schemas.microsoft.com/office/powerpoint/2010/main">
+    <mc:Choice Requires="p14">
       <p:transition spd="slow" p14:dur="1600">
         <p:blinds dir="vert"/>
       </p:transition>
     </mc:Choice>
-    <mc:Fallback>
+    <mc:Fallback xmlns="">
       <p:transition spd="slow">
         <p:blinds dir="vert"/>
       </p:transition>
@@ -4363,13 +4363,13 @@
   <p:clrMapOvr>
     <a:masterClrMapping/>
   </p:clrMapOvr>
-  <mc:AlternateContent xmlns:mc="http://schemas.openxmlformats.org/markup-compatibility/2006">
-    <mc:Choice xmlns:p14="http://schemas.microsoft.com/office/powerpoint/2010/main" Requires="p14">
+  <mc:AlternateContent xmlns:mc="http://schemas.openxmlformats.org/markup-compatibility/2006" xmlns:p14="http://schemas.microsoft.com/office/powerpoint/2010/main">
+    <mc:Choice Requires="p14">
       <p:transition spd="slow" p14:dur="1600">
         <p:blinds dir="vert"/>
       </p:transition>
     </mc:Choice>
-    <mc:Fallback>
+    <mc:Fallback xmlns="">
       <p:transition spd="slow">
         <p:blinds dir="vert"/>
       </p:transition>
@@ -4787,13 +4787,13 @@
   <p:clrMapOvr>
     <a:masterClrMapping/>
   </p:clrMapOvr>
-  <mc:AlternateContent xmlns:mc="http://schemas.openxmlformats.org/markup-compatibility/2006">
-    <mc:Choice xmlns:p14="http://schemas.microsoft.com/office/powerpoint/2010/main" Requires="p14">
+  <mc:AlternateContent xmlns:mc="http://schemas.openxmlformats.org/markup-compatibility/2006" xmlns:p14="http://schemas.microsoft.com/office/powerpoint/2010/main">
+    <mc:Choice Requires="p14">
       <p:transition spd="slow" p14:dur="1600">
         <p:blinds dir="vert"/>
       </p:transition>
     </mc:Choice>
-    <mc:Fallback>
+    <mc:Fallback xmlns="">
       <p:transition spd="slow">
         <p:blinds dir="vert"/>
       </p:transition>
@@ -4940,13 +4940,13 @@
   <p:clrMapOvr>
     <a:masterClrMapping/>
   </p:clrMapOvr>
-  <mc:AlternateContent xmlns:mc="http://schemas.openxmlformats.org/markup-compatibility/2006">
-    <mc:Choice xmlns:p14="http://schemas.microsoft.com/office/powerpoint/2010/main" Requires="p14">
+  <mc:AlternateContent xmlns:mc="http://schemas.openxmlformats.org/markup-compatibility/2006" xmlns:p14="http://schemas.microsoft.com/office/powerpoint/2010/main">
+    <mc:Choice Requires="p14">
       <p:transition spd="slow" p14:dur="1600">
         <p:blinds dir="vert"/>
       </p:transition>
     </mc:Choice>
-    <mc:Fallback>
+    <mc:Fallback xmlns="">
       <p:transition spd="slow">
         <p:blinds dir="vert"/>
       </p:transition>
@@ -5065,13 +5065,13 @@
   <p:clrMapOvr>
     <a:masterClrMapping/>
   </p:clrMapOvr>
-  <mc:AlternateContent xmlns:mc="http://schemas.openxmlformats.org/markup-compatibility/2006">
-    <mc:Choice xmlns:p14="http://schemas.microsoft.com/office/powerpoint/2010/main" Requires="p14">
+  <mc:AlternateContent xmlns:mc="http://schemas.openxmlformats.org/markup-compatibility/2006" xmlns:p14="http://schemas.microsoft.com/office/powerpoint/2010/main">
+    <mc:Choice Requires="p14">
       <p:transition spd="slow" p14:dur="1600">
         <p:blinds dir="vert"/>
       </p:transition>
     </mc:Choice>
-    <mc:Fallback>
+    <mc:Fallback xmlns="">
       <p:transition spd="slow">
         <p:blinds dir="vert"/>
       </p:transition>
@@ -5388,13 +5388,13 @@
   <p:clrMapOvr>
     <a:masterClrMapping/>
   </p:clrMapOvr>
-  <mc:AlternateContent xmlns:mc="http://schemas.openxmlformats.org/markup-compatibility/2006">
-    <mc:Choice xmlns:p14="http://schemas.microsoft.com/office/powerpoint/2010/main" Requires="p14">
+  <mc:AlternateContent xmlns:mc="http://schemas.openxmlformats.org/markup-compatibility/2006" xmlns:p14="http://schemas.microsoft.com/office/powerpoint/2010/main">
+    <mc:Choice Requires="p14">
       <p:transition spd="slow" p14:dur="1600">
         <p:blinds dir="vert"/>
       </p:transition>
     </mc:Choice>
-    <mc:Fallback>
+    <mc:Fallback xmlns="">
       <p:transition spd="slow">
         <p:blinds dir="vert"/>
       </p:transition>
@@ -5688,13 +5688,13 @@
   <p:clrMapOvr>
     <a:masterClrMapping/>
   </p:clrMapOvr>
-  <mc:AlternateContent xmlns:mc="http://schemas.openxmlformats.org/markup-compatibility/2006">
-    <mc:Choice xmlns:p14="http://schemas.microsoft.com/office/powerpoint/2010/main" Requires="p14">
+  <mc:AlternateContent xmlns:mc="http://schemas.openxmlformats.org/markup-compatibility/2006" xmlns:p14="http://schemas.microsoft.com/office/powerpoint/2010/main">
+    <mc:Choice Requires="p14">
       <p:transition spd="slow" p14:dur="1600">
         <p:blinds dir="vert"/>
       </p:transition>
     </mc:Choice>
-    <mc:Fallback>
+    <mc:Fallback xmlns="">
       <p:transition spd="slow">
         <p:blinds dir="vert"/>
       </p:transition>
@@ -5988,13 +5988,13 @@
     <p:sldLayoutId id="2147483694" r:id="rId10"/>
     <p:sldLayoutId id="2147483695" r:id="rId11"/>
   </p:sldLayoutIdLst>
-  <mc:AlternateContent xmlns:mc="http://schemas.openxmlformats.org/markup-compatibility/2006">
-    <mc:Choice xmlns:p14="http://schemas.microsoft.com/office/powerpoint/2010/main" Requires="p14">
+  <mc:AlternateContent xmlns:mc="http://schemas.openxmlformats.org/markup-compatibility/2006" xmlns:p14="http://schemas.microsoft.com/office/powerpoint/2010/main">
+    <mc:Choice Requires="p14">
       <p:transition spd="slow" p14:dur="1600">
         <p:blinds dir="vert"/>
       </p:transition>
     </mc:Choice>
-    <mc:Fallback>
+    <mc:Fallback xmlns="">
       <p:transition spd="slow">
         <p:blinds dir="vert"/>
       </p:transition>
@@ -6489,13 +6489,13 @@
   <p:clrMapOvr>
     <a:masterClrMapping/>
   </p:clrMapOvr>
-  <mc:AlternateContent xmlns:mc="http://schemas.openxmlformats.org/markup-compatibility/2006">
-    <mc:Choice xmlns:p14="http://schemas.microsoft.com/office/powerpoint/2010/main" Requires="p14">
+  <mc:AlternateContent xmlns:mc="http://schemas.openxmlformats.org/markup-compatibility/2006" xmlns:p14="http://schemas.microsoft.com/office/powerpoint/2010/main">
+    <mc:Choice Requires="p14">
       <p:transition spd="slow" p14:dur="1600">
         <p:blinds dir="vert"/>
       </p:transition>
     </mc:Choice>
-    <mc:Fallback>
+    <mc:Fallback xmlns="">
       <p:transition spd="slow">
         <p:blinds dir="vert"/>
       </p:transition>
@@ -6846,13 +6846,13 @@
   <p:clrMapOvr>
     <a:masterClrMapping/>
   </p:clrMapOvr>
-  <mc:AlternateContent xmlns:mc="http://schemas.openxmlformats.org/markup-compatibility/2006">
-    <mc:Choice xmlns:p14="http://schemas.microsoft.com/office/powerpoint/2010/main" Requires="p14">
+  <mc:AlternateContent xmlns:mc="http://schemas.openxmlformats.org/markup-compatibility/2006" xmlns:p14="http://schemas.microsoft.com/office/powerpoint/2010/main">
+    <mc:Choice Requires="p14">
       <p:transition spd="slow" p14:dur="1600">
         <p:blinds dir="vert"/>
       </p:transition>
     </mc:Choice>
-    <mc:Fallback>
+    <mc:Fallback xmlns="">
       <p:transition spd="slow">
         <p:blinds dir="vert"/>
       </p:transition>
@@ -7014,13 +7014,13 @@
   <p:clrMapOvr>
     <a:masterClrMapping/>
   </p:clrMapOvr>
-  <mc:AlternateContent xmlns:mc="http://schemas.openxmlformats.org/markup-compatibility/2006">
-    <mc:Choice xmlns:p14="http://schemas.microsoft.com/office/powerpoint/2010/main" Requires="p14">
+  <mc:AlternateContent xmlns:mc="http://schemas.openxmlformats.org/markup-compatibility/2006" xmlns:p14="http://schemas.microsoft.com/office/powerpoint/2010/main">
+    <mc:Choice Requires="p14">
       <p:transition spd="slow" p14:dur="1600">
         <p:blinds dir="vert"/>
       </p:transition>
     </mc:Choice>
-    <mc:Fallback>
+    <mc:Fallback xmlns="">
       <p:transition spd="slow">
         <p:blinds dir="vert"/>
       </p:transition>
@@ -7220,13 +7220,13 @@
   <p:clrMapOvr>
     <a:masterClrMapping/>
   </p:clrMapOvr>
-  <mc:AlternateContent xmlns:mc="http://schemas.openxmlformats.org/markup-compatibility/2006">
-    <mc:Choice xmlns:p14="http://schemas.microsoft.com/office/powerpoint/2010/main" Requires="p14">
+  <mc:AlternateContent xmlns:mc="http://schemas.openxmlformats.org/markup-compatibility/2006" xmlns:p14="http://schemas.microsoft.com/office/powerpoint/2010/main">
+    <mc:Choice Requires="p14">
       <p:transition spd="slow" p14:dur="1600">
         <p:blinds dir="vert"/>
       </p:transition>
     </mc:Choice>
-    <mc:Fallback>
+    <mc:Fallback xmlns="">
       <p:transition spd="slow">
         <p:blinds dir="vert"/>
       </p:transition>
@@ -7398,13 +7398,13 @@
   <p:clrMapOvr>
     <a:masterClrMapping/>
   </p:clrMapOvr>
-  <mc:AlternateContent xmlns:mc="http://schemas.openxmlformats.org/markup-compatibility/2006">
-    <mc:Choice xmlns:p14="http://schemas.microsoft.com/office/powerpoint/2010/main" Requires="p14">
+  <mc:AlternateContent xmlns:mc="http://schemas.openxmlformats.org/markup-compatibility/2006" xmlns:p14="http://schemas.microsoft.com/office/powerpoint/2010/main">
+    <mc:Choice Requires="p14">
       <p:transition spd="slow" p14:dur="1600">
         <p:blinds dir="vert"/>
       </p:transition>
     </mc:Choice>
-    <mc:Fallback>
+    <mc:Fallback xmlns="">
       <p:transition spd="slow">
         <p:blinds dir="vert"/>
       </p:transition>
@@ -7753,13 +7753,13 @@
   <p:clrMapOvr>
     <a:masterClrMapping/>
   </p:clrMapOvr>
-  <mc:AlternateContent xmlns:mc="http://schemas.openxmlformats.org/markup-compatibility/2006">
-    <mc:Choice xmlns:p14="http://schemas.microsoft.com/office/powerpoint/2010/main" Requires="p14">
+  <mc:AlternateContent xmlns:mc="http://schemas.openxmlformats.org/markup-compatibility/2006" xmlns:p14="http://schemas.microsoft.com/office/powerpoint/2010/main">
+    <mc:Choice Requires="p14">
       <p:transition spd="slow" p14:dur="1600">
         <p:blinds dir="vert"/>
       </p:transition>
     </mc:Choice>
-    <mc:Fallback>
+    <mc:Fallback xmlns="">
       <p:transition spd="slow">
         <p:blinds dir="vert"/>
       </p:transition>
@@ -7897,6 +7897,78 @@
           </a:p>
         </p:txBody>
       </p:sp>
+      <p:pic>
+        <p:nvPicPr>
+          <p:cNvPr id="5" name="Picture 4">
+            <a:extLst>
+              <a:ext uri="{FF2B5EF4-FFF2-40B4-BE49-F238E27FC236}">
+                <a16:creationId xmlns:a16="http://schemas.microsoft.com/office/drawing/2014/main" id="{3EC3E0BA-5AD9-23D4-ECFB-0A45C71A8042}"/>
+              </a:ext>
+            </a:extLst>
+          </p:cNvPr>
+          <p:cNvPicPr>
+            <a:picLocks noChangeAspect="1"/>
+          </p:cNvPicPr>
+          <p:nvPr/>
+        </p:nvPicPr>
+        <p:blipFill>
+          <a:blip r:embed="rId4">
+            <a:extLst>
+              <a:ext uri="{28A0092B-C50C-407E-A947-70E740481C1C}">
+                <a14:useLocalDpi xmlns:a14="http://schemas.microsoft.com/office/drawing/2010/main" val="0"/>
+              </a:ext>
+            </a:extLst>
+          </a:blip>
+          <a:stretch>
+            <a:fillRect/>
+          </a:stretch>
+        </p:blipFill>
+        <p:spPr>
+          <a:xfrm>
+            <a:off x="9353139" y="2238375"/>
+            <a:ext cx="2381250" cy="2381250"/>
+          </a:xfrm>
+          <a:prstGeom prst="rect">
+            <a:avLst/>
+          </a:prstGeom>
+        </p:spPr>
+      </p:pic>
+      <p:pic>
+        <p:nvPicPr>
+          <p:cNvPr id="6" name="Picture 5">
+            <a:extLst>
+              <a:ext uri="{FF2B5EF4-FFF2-40B4-BE49-F238E27FC236}">
+                <a16:creationId xmlns:a16="http://schemas.microsoft.com/office/drawing/2014/main" id="{C68682AE-B5A6-EF02-2994-B917D57416FF}"/>
+              </a:ext>
+            </a:extLst>
+          </p:cNvPr>
+          <p:cNvPicPr>
+            <a:picLocks noChangeAspect="1"/>
+          </p:cNvPicPr>
+          <p:nvPr/>
+        </p:nvPicPr>
+        <p:blipFill>
+          <a:blip r:embed="rId4">
+            <a:extLst>
+              <a:ext uri="{28A0092B-C50C-407E-A947-70E740481C1C}">
+                <a14:useLocalDpi xmlns:a14="http://schemas.microsoft.com/office/drawing/2010/main" val="0"/>
+              </a:ext>
+            </a:extLst>
+          </a:blip>
+          <a:stretch>
+            <a:fillRect/>
+          </a:stretch>
+        </p:blipFill>
+        <p:spPr>
+          <a:xfrm flipH="1">
+            <a:off x="447870" y="2238375"/>
+            <a:ext cx="2381250" cy="2381250"/>
+          </a:xfrm>
+          <a:prstGeom prst="rect">
+            <a:avLst/>
+          </a:prstGeom>
+        </p:spPr>
+      </p:pic>
     </p:spTree>
     <p:extLst>
       <p:ext uri="{BB962C8B-B14F-4D97-AF65-F5344CB8AC3E}">
@@ -7907,13 +7979,13 @@
   <p:clrMapOvr>
     <a:masterClrMapping/>
   </p:clrMapOvr>
-  <mc:AlternateContent xmlns:mc="http://schemas.openxmlformats.org/markup-compatibility/2006">
-    <mc:Choice xmlns:p14="http://schemas.microsoft.com/office/powerpoint/2010/main" Requires="p14">
+  <mc:AlternateContent xmlns:mc="http://schemas.openxmlformats.org/markup-compatibility/2006" xmlns:p14="http://schemas.microsoft.com/office/powerpoint/2010/main">
+    <mc:Choice Requires="p14">
       <p:transition spd="slow" p14:dur="1600">
         <p:blinds dir="vert"/>
       </p:transition>
     </mc:Choice>
-    <mc:Fallback>
+    <mc:Fallback xmlns="">
       <p:transition spd="slow">
         <p:blinds dir="vert"/>
       </p:transition>
